--- a/WebContent/WEB-INF/templates/Peninsula/thought_for_the_day.pptx
+++ b/WebContent/WEB-INF/templates/Peninsula/thought_for_the_day.pptx
@@ -192,7 +192,7 @@
           <a:p>
             <a:fld id="{78CDBB65-A3AF-4D42-815D-908443AF7A80}" type="datetimeFigureOut">
               <a:rPr lang="en-US" smtClean="0"/>
-              <a:t>05/02/16</a:t>
+              <a:t>06/02/16</a:t>
             </a:fld>
             <a:endParaRPr lang="en-US"/>
           </a:p>
@@ -1260,7 +1260,7 @@
               <a:pPr>
                 <a:defRPr/>
               </a:pPr>
-              <a:t>05/02/16</a:t>
+              <a:t>06/02/16</a:t>
             </a:fld>
             <a:endParaRPr lang="en-US"/>
           </a:p>
@@ -1462,7 +1462,7 @@
               <a:pPr>
                 <a:defRPr/>
               </a:pPr>
-              <a:t>05/02/16</a:t>
+              <a:t>06/02/16</a:t>
             </a:fld>
             <a:endParaRPr lang="en-US"/>
           </a:p>
@@ -1669,7 +1669,7 @@
               <a:pPr>
                 <a:defRPr/>
               </a:pPr>
-              <a:t>05/02/16</a:t>
+              <a:t>06/02/16</a:t>
             </a:fld>
             <a:endParaRPr lang="en-US"/>
           </a:p>
@@ -1866,7 +1866,7 @@
               <a:pPr>
                 <a:defRPr/>
               </a:pPr>
-              <a:t>05/02/16</a:t>
+              <a:t>06/02/16</a:t>
             </a:fld>
             <a:endParaRPr lang="en-US"/>
           </a:p>
@@ -2308,7 +2308,7 @@
               <a:pPr>
                 <a:defRPr/>
               </a:pPr>
-              <a:t>05/02/16</a:t>
+              <a:t>06/02/16</a:t>
             </a:fld>
             <a:endParaRPr lang="en-US"/>
           </a:p>
@@ -2567,7 +2567,7 @@
               <a:pPr>
                 <a:defRPr/>
               </a:pPr>
-              <a:t>05/02/16</a:t>
+              <a:t>06/02/16</a:t>
             </a:fld>
             <a:endParaRPr lang="en-US"/>
           </a:p>
@@ -3322,7 +3322,7 @@
               <a:pPr>
                 <a:defRPr/>
               </a:pPr>
-              <a:t>05/02/16</a:t>
+              <a:t>06/02/16</a:t>
             </a:fld>
             <a:endParaRPr lang="en-US"/>
           </a:p>
@@ -3467,7 +3467,7 @@
               <a:pPr>
                 <a:defRPr/>
               </a:pPr>
-              <a:t>05/02/16</a:t>
+              <a:t>06/02/16</a:t>
             </a:fld>
             <a:endParaRPr lang="en-US"/>
           </a:p>
@@ -3589,7 +3589,7 @@
               <a:pPr>
                 <a:defRPr/>
               </a:pPr>
-              <a:t>05/02/16</a:t>
+              <a:t>06/02/16</a:t>
             </a:fld>
             <a:endParaRPr lang="en-US"/>
           </a:p>
@@ -4037,7 +4037,7 @@
               <a:pPr>
                 <a:defRPr/>
               </a:pPr>
-              <a:t>05/02/16</a:t>
+              <a:t>06/02/16</a:t>
             </a:fld>
             <a:endParaRPr lang="en-US"/>
           </a:p>
@@ -4473,7 +4473,7 @@
               <a:pPr>
                 <a:defRPr/>
               </a:pPr>
-              <a:t>05/02/16</a:t>
+              <a:t>06/02/16</a:t>
             </a:fld>
             <a:endParaRPr lang="en-US"/>
           </a:p>
@@ -5002,7 +5002,7 @@
                 </a:spcAft>
                 <a:defRPr/>
               </a:pPr>
-              <a:t>05/02/16</a:t>
+              <a:t>06/02/16</a:t>
             </a:fld>
             <a:endParaRPr lang="en-US">
               <a:latin typeface="Palatino Linotype" pitchFamily="18" charset="0"/>
@@ -5607,6 +5607,47 @@
           <a:chExt cx="0" cy="0"/>
         </a:xfrm>
       </p:grpSpPr>
+      <p:sp>
+        <p:nvSpPr>
+          <p:cNvPr id="3" name="Rectangle 2"/>
+          <p:cNvSpPr/>
+          <p:nvPr/>
+        </p:nvSpPr>
+        <p:spPr>
+          <a:xfrm>
+            <a:off x="0" y="0"/>
+            <a:ext cx="9144000" cy="6934200"/>
+          </a:xfrm>
+          <a:prstGeom prst="rect">
+            <a:avLst/>
+          </a:prstGeom>
+          <a:solidFill>
+            <a:srgbClr val="221F41"/>
+          </a:solidFill>
+        </p:spPr>
+        <p:style>
+          <a:lnRef idx="1">
+            <a:schemeClr val="accent1"/>
+          </a:lnRef>
+          <a:fillRef idx="3">
+            <a:schemeClr val="accent1"/>
+          </a:fillRef>
+          <a:effectRef idx="2">
+            <a:schemeClr val="accent1"/>
+          </a:effectRef>
+          <a:fontRef idx="minor">
+            <a:schemeClr val="lt1"/>
+          </a:fontRef>
+        </p:style>
+        <p:txBody>
+          <a:bodyPr rtlCol="0" anchor="ctr"/>
+          <a:lstStyle/>
+          <a:p>
+            <a:pPr algn="ctr"/>
+            <a:endParaRPr lang="en-US"/>
+          </a:p>
+        </p:txBody>
+      </p:sp>
       <p:sp>
         <p:nvSpPr>
           <p:cNvPr id="2051" name="Text Box 15"/>
